--- a/RBC_emprestimo_IA.pptx
+++ b/RBC_emprestimo_IA.pptx
@@ -28,11 +28,15 @@
   <p:notesSz cx="6858000" cy="9144000"/>
   <p:embeddedFontLst>
     <p:embeddedFont>
+      <p:font typeface="Cambria Math" panose="02040503050406030204" pitchFamily="18" charset="0"/>
+      <p:regular r:id="rId18"/>
+    </p:embeddedFont>
+    <p:embeddedFont>
       <p:font typeface="Quattrocento Sans" panose="020B0502050000020003" pitchFamily="34" charset="0"/>
-      <p:regular r:id="rId18"/>
-      <p:bold r:id="rId19"/>
-      <p:italic r:id="rId20"/>
-      <p:boldItalic r:id="rId21"/>
+      <p:regular r:id="rId19"/>
+      <p:bold r:id="rId20"/>
+      <p:italic r:id="rId21"/>
+      <p:boldItalic r:id="rId22"/>
     </p:embeddedFont>
   </p:embeddedFontLst>
   <p:defaultTextStyle>
@@ -22257,6 +22261,144 @@
           </a:prstGeom>
         </p:spPr>
       </p:pic>
+      <mc:AlternateContent xmlns:mc="http://schemas.openxmlformats.org/markup-compatibility/2006">
+        <mc:Choice xmlns:a14="http://schemas.microsoft.com/office/drawing/2010/main" Requires="a14">
+          <p:sp>
+            <p:nvSpPr>
+              <p:cNvPr id="2" name="CaixaDeTexto 1">
+                <a:extLst>
+                  <a:ext uri="{FF2B5EF4-FFF2-40B4-BE49-F238E27FC236}">
+                    <a16:creationId xmlns:a16="http://schemas.microsoft.com/office/drawing/2014/main" id="{AFE6F66F-6D80-05EE-2423-E23CCC67C2C1}"/>
+                  </a:ext>
+                </a:extLst>
+              </p:cNvPr>
+              <p:cNvSpPr txBox="1"/>
+              <p:nvPr/>
+            </p:nvSpPr>
+            <p:spPr>
+              <a:xfrm>
+                <a:off x="2202250" y="4077489"/>
+                <a:ext cx="2286234" cy="735266"/>
+              </a:xfrm>
+              <a:prstGeom prst="rect">
+                <a:avLst/>
+              </a:prstGeom>
+              <a:noFill/>
+            </p:spPr>
+            <p:txBody>
+              <a:bodyPr wrap="square" rtlCol="0">
+                <a:spAutoFit/>
+              </a:bodyPr>
+              <a:lstStyle/>
+              <a:p>
+                <a14:m>
+                  <m:oMathPara xmlns:m="http://schemas.openxmlformats.org/officeDocument/2006/math">
+                    <m:oMathParaPr>
+                      <m:jc m:val="centerGroup"/>
+                    </m:oMathParaPr>
+                    <m:oMath xmlns:m="http://schemas.openxmlformats.org/officeDocument/2006/math">
+                      <m:f>
+                        <m:fPr>
+                          <m:ctrlPr>
+                            <a:rPr lang="pt-BR" sz="2200" i="1" smtClean="0">
+                              <a:latin typeface="Cambria Math" panose="02040503050406030204" pitchFamily="18" charset="0"/>
+                            </a:rPr>
+                          </m:ctrlPr>
+                        </m:fPr>
+                        <m:num>
+                          <m:r>
+                            <a:rPr lang="pt-BR" sz="2200" b="0" i="1" smtClean="0">
+                              <a:latin typeface="Cambria Math" panose="02040503050406030204" pitchFamily="18" charset="0"/>
+                            </a:rPr>
+                            <m:t>1 −| </m:t>
+                          </m:r>
+                          <m:r>
+                            <a:rPr lang="pt-BR" sz="2200" b="0" i="1" smtClean="0">
+                              <a:latin typeface="Cambria Math" panose="02040503050406030204" pitchFamily="18" charset="0"/>
+                            </a:rPr>
+                            <m:t>𝑎</m:t>
+                          </m:r>
+                          <m:r>
+                            <a:rPr lang="pt-BR" sz="2200" b="0" i="1" smtClean="0">
+                              <a:latin typeface="Cambria Math" panose="02040503050406030204" pitchFamily="18" charset="0"/>
+                            </a:rPr>
+                            <m:t> −</m:t>
+                          </m:r>
+                          <m:r>
+                            <a:rPr lang="pt-BR" sz="2200" b="0" i="1" smtClean="0">
+                              <a:latin typeface="Cambria Math" panose="02040503050406030204" pitchFamily="18" charset="0"/>
+                            </a:rPr>
+                            <m:t>𝑏</m:t>
+                          </m:r>
+                          <m:r>
+                            <a:rPr lang="pt-BR" sz="2200" b="0" i="1" smtClean="0">
+                              <a:latin typeface="Cambria Math" panose="02040503050406030204" pitchFamily="18" charset="0"/>
+                            </a:rPr>
+                            <m:t> |</m:t>
+                          </m:r>
+                        </m:num>
+                        <m:den>
+                          <m:r>
+                            <a:rPr lang="pt-BR" sz="2200" b="0" i="1" smtClean="0">
+                              <a:latin typeface="Cambria Math" panose="02040503050406030204" pitchFamily="18" charset="0"/>
+                            </a:rPr>
+                            <m:t>𝑛</m:t>
+                          </m:r>
+                        </m:den>
+                      </m:f>
+                    </m:oMath>
+                  </m:oMathPara>
+                </a14:m>
+                <a:endParaRPr lang="pt-BR" sz="2200" dirty="0"/>
+              </a:p>
+            </p:txBody>
+          </p:sp>
+        </mc:Choice>
+        <mc:Fallback>
+          <p:sp>
+            <p:nvSpPr>
+              <p:cNvPr id="2" name="CaixaDeTexto 1">
+                <a:extLst>
+                  <a:ext uri="{FF2B5EF4-FFF2-40B4-BE49-F238E27FC236}">
+                    <a16:creationId xmlns:a16="http://schemas.microsoft.com/office/drawing/2014/main" id="{AFE6F66F-6D80-05EE-2423-E23CCC67C2C1}"/>
+                  </a:ext>
+                </a:extLst>
+              </p:cNvPr>
+              <p:cNvSpPr txBox="1">
+                <a:spLocks noRot="1" noChangeAspect="1" noMove="1" noResize="1" noEditPoints="1" noAdjustHandles="1" noChangeArrowheads="1" noChangeShapeType="1" noTextEdit="1"/>
+              </p:cNvSpPr>
+              <p:nvPr/>
+            </p:nvSpPr>
+            <p:spPr>
+              <a:xfrm>
+                <a:off x="2202250" y="4077489"/>
+                <a:ext cx="2286234" cy="735266"/>
+              </a:xfrm>
+              <a:prstGeom prst="rect">
+                <a:avLst/>
+              </a:prstGeom>
+              <a:blipFill>
+                <a:blip r:embed="rId7"/>
+                <a:stretch>
+                  <a:fillRect/>
+                </a:stretch>
+              </a:blipFill>
+            </p:spPr>
+            <p:txBody>
+              <a:bodyPr/>
+              <a:lstStyle/>
+              <a:p>
+                <a:r>
+                  <a:rPr lang="pt-BR">
+                    <a:noFill/>
+                  </a:rPr>
+                  <a:t> </a:t>
+                </a:r>
+              </a:p>
+            </p:txBody>
+          </p:sp>
+        </mc:Fallback>
+      </mc:AlternateContent>
     </p:spTree>
   </p:cSld>
   <p:clrMapOvr>
@@ -26850,7 +26992,31 @@
                 <a:cs typeface="Calibri"/>
                 <a:sym typeface="Calibri"/>
               </a:rPr>
-              <a:t> python.</a:t>
+              <a:t> python e </a:t>
+            </a:r>
+            <a:r>
+              <a:rPr lang="en-US" sz="2100" i="1" dirty="0" err="1">
+                <a:solidFill>
+                  <a:srgbClr val="002060"/>
+                </a:solidFill>
+                <a:latin typeface="Calibri"/>
+                <a:ea typeface="Calibri"/>
+                <a:cs typeface="Calibri"/>
+                <a:sym typeface="Calibri"/>
+              </a:rPr>
+              <a:t>javascript</a:t>
+            </a:r>
+            <a:r>
+              <a:rPr lang="en-US" sz="2100" i="1" dirty="0">
+                <a:solidFill>
+                  <a:srgbClr val="002060"/>
+                </a:solidFill>
+                <a:latin typeface="Calibri"/>
+                <a:ea typeface="Calibri"/>
+                <a:cs typeface="Calibri"/>
+                <a:sym typeface="Calibri"/>
+              </a:rPr>
+              <a:t>.</a:t>
             </a:r>
             <a:endParaRPr sz="2100" i="1" dirty="0">
               <a:solidFill>

--- a/RBC_emprestimo_IA.pptx
+++ b/RBC_emprestimo_IA.pptx
@@ -32,7 +32,7 @@
       <p:regular r:id="rId18"/>
     </p:embeddedFont>
     <p:embeddedFont>
-      <p:font typeface="Quattrocento Sans" panose="020B0502050000020003" pitchFamily="34" charset="0"/>
+      <p:font typeface="Quattrocento Sans" panose="020F0502020204030204" pitchFamily="34" charset="0"/>
       <p:regular r:id="rId19"/>
       <p:bold r:id="rId20"/>
       <p:italic r:id="rId21"/>
@@ -22261,8 +22261,8 @@
           </a:prstGeom>
         </p:spPr>
       </p:pic>
-      <mc:AlternateContent xmlns:mc="http://schemas.openxmlformats.org/markup-compatibility/2006">
-        <mc:Choice xmlns:a14="http://schemas.microsoft.com/office/drawing/2010/main" Requires="a14">
+      <mc:AlternateContent xmlns:mc="http://schemas.openxmlformats.org/markup-compatibility/2006" xmlns:a14="http://schemas.microsoft.com/office/drawing/2010/main">
+        <mc:Choice Requires="a14">
           <p:sp>
             <p:nvSpPr>
               <p:cNvPr id="2" name="CaixaDeTexto 1">
@@ -22291,6 +22291,7 @@
               </a:bodyPr>
               <a:lstStyle/>
               <a:p>
+                <a:pPr/>
                 <a14:m>
                   <m:oMathPara xmlns:m="http://schemas.openxmlformats.org/officeDocument/2006/math">
                     <m:oMathParaPr>
@@ -22354,7 +22355,7 @@
             </p:txBody>
           </p:sp>
         </mc:Choice>
-        <mc:Fallback>
+        <mc:Fallback xmlns="">
           <p:sp>
             <p:nvSpPr>
               <p:cNvPr id="2" name="CaixaDeTexto 1">
@@ -29603,7 +29604,7 @@
         </p:nvSpPr>
         <p:spPr>
           <a:xfrm>
-            <a:off x="1418532" y="2396707"/>
+            <a:off x="1183825" y="2206690"/>
             <a:ext cx="9516600" cy="3366210"/>
           </a:xfrm>
           <a:prstGeom prst="rect">
@@ -29630,42 +29631,6 @@
               <a:buSzPts val="1100"/>
               <a:buNone/>
             </a:pPr>
-            <a:r>
-              <a:rPr lang="en-US" sz="1900" b="1" i="1" dirty="0" err="1">
-                <a:solidFill>
-                  <a:srgbClr val="002060"/>
-                </a:solidFill>
-                <a:latin typeface="Calibri"/>
-                <a:ea typeface="Calibri"/>
-                <a:cs typeface="Calibri"/>
-                <a:sym typeface="Calibri"/>
-              </a:rPr>
-              <a:t>Definição</a:t>
-            </a:r>
-            <a:r>
-              <a:rPr lang="en-US" sz="1900" b="1" i="1" dirty="0">
-                <a:solidFill>
-                  <a:srgbClr val="002060"/>
-                </a:solidFill>
-                <a:latin typeface="Calibri"/>
-                <a:ea typeface="Calibri"/>
-                <a:cs typeface="Calibri"/>
-                <a:sym typeface="Calibri"/>
-              </a:rPr>
-              <a:t> do </a:t>
-            </a:r>
-            <a:r>
-              <a:rPr lang="en-US" sz="1900" b="1" i="1" dirty="0" err="1">
-                <a:solidFill>
-                  <a:srgbClr val="002060"/>
-                </a:solidFill>
-                <a:latin typeface="Calibri"/>
-                <a:ea typeface="Calibri"/>
-                <a:cs typeface="Calibri"/>
-                <a:sym typeface="Calibri"/>
-              </a:rPr>
-              <a:t>contexto</a:t>
-            </a:r>
             <a:endParaRPr sz="1900" b="1" i="1" dirty="0">
               <a:solidFill>
                 <a:srgbClr val="002060"/>
